--- a/trunk/Training/GAPQ2017/PPT/2 Introduction to OpenDSS.pptx
+++ b/trunk/Training/GAPQ2017/PPT/2 Introduction to OpenDSS.pptx
@@ -262,7 +262,7 @@
           <a:p>
             <a:fld id="{21D603EA-85D6-422C-AB10-17A2A7923832}" type="datetimeFigureOut">
               <a:rPr lang="en-US" smtClean="0"/>
-              <a:t>6/13/2017</a:t>
+              <a:t>6/21/2017</a:t>
             </a:fld>
             <a:endParaRPr lang="en-US" dirty="0"/>
           </a:p>
@@ -44212,96 +44212,96 @@
           <a:p>
             <a:pPr eaLnBrk="1" hangingPunct="1"/>
             <a:r>
-              <a:rPr lang="en-US" altLang="en-US"/>
+              <a:rPr lang="en-US" altLang="en-US" dirty="0"/>
               <a:t>What it Isn’t</a:t>
             </a:r>
           </a:p>
           <a:p>
             <a:pPr lvl="1" eaLnBrk="1" hangingPunct="1"/>
             <a:r>
-              <a:rPr lang="en-US" altLang="en-US"/>
+              <a:rPr lang="en-US" altLang="en-US" dirty="0"/>
               <a:t>An </a:t>
             </a:r>
             <a:r>
-              <a:rPr lang="en-US" altLang="en-US" i="1"/>
+              <a:rPr lang="en-US" altLang="en-US" i="1" dirty="0"/>
               <a:t>Electromagnetic</a:t>
             </a:r>
             <a:r>
-              <a:rPr lang="en-US" altLang="en-US"/>
+              <a:rPr lang="en-US" altLang="en-US" dirty="0"/>
               <a:t> transients solver (Time Domain)</a:t>
             </a:r>
           </a:p>
           <a:p>
             <a:pPr lvl="2" eaLnBrk="1" hangingPunct="1"/>
             <a:r>
-              <a:rPr lang="en-US" altLang="en-US"/>
+              <a:rPr lang="en-US" altLang="en-US" dirty="0"/>
               <a:t>It can solve </a:t>
             </a:r>
             <a:r>
-              <a:rPr lang="en-US" altLang="en-US" i="1"/>
+              <a:rPr lang="en-US" altLang="en-US" i="1" dirty="0"/>
               <a:t>Electromechanical transients</a:t>
             </a:r>
           </a:p>
           <a:p>
             <a:pPr lvl="3" eaLnBrk="1" hangingPunct="1"/>
             <a:r>
-              <a:rPr lang="en-US" altLang="en-US"/>
+              <a:rPr lang="en-US" altLang="en-US" dirty="0"/>
               <a:t>Frequency Domain =&gt; “Dynamics” </a:t>
             </a:r>
           </a:p>
           <a:p>
             <a:pPr lvl="3" eaLnBrk="1" hangingPunct="1"/>
             <a:r>
-              <a:rPr lang="en-US" altLang="en-US"/>
+              <a:rPr lang="en-US" altLang="en-US" dirty="0"/>
               <a:t>All solutions are in </a:t>
             </a:r>
             <a:r>
-              <a:rPr lang="en-US" altLang="en-US" b="1" i="1"/>
+              <a:rPr lang="en-US" altLang="en-US" b="1" i="1" dirty="0"/>
               <a:t>phasors </a:t>
             </a:r>
             <a:r>
-              <a:rPr lang="en-US" altLang="en-US"/>
+              <a:rPr lang="en-US" altLang="en-US" dirty="0"/>
               <a:t>(complex math)</a:t>
             </a:r>
           </a:p>
           <a:p>
             <a:pPr lvl="1" eaLnBrk="1" hangingPunct="1"/>
             <a:r>
-              <a:rPr lang="en-US" altLang="en-US"/>
-              <a:t>Not a Power Flow program</a:t>
+              <a:rPr lang="en-US" altLang="en-US" dirty="0"/>
+              <a:t>Not a “Power Flow” program</a:t>
             </a:r>
           </a:p>
           <a:p>
             <a:pPr lvl="1" eaLnBrk="1" hangingPunct="1"/>
             <a:r>
-              <a:rPr lang="en-US" altLang="en-US"/>
+              <a:rPr lang="en-US" altLang="en-US" dirty="0"/>
               <a:t>Not a radial circuit solver</a:t>
             </a:r>
           </a:p>
           <a:p>
             <a:pPr lvl="2" eaLnBrk="1" hangingPunct="1"/>
             <a:r>
-              <a:rPr lang="en-US" altLang="en-US"/>
+              <a:rPr lang="en-US" altLang="en-US" dirty="0"/>
               <a:t>Does meshed networks just as easily</a:t>
             </a:r>
           </a:p>
           <a:p>
             <a:pPr lvl="1" eaLnBrk="1" hangingPunct="1"/>
             <a:r>
-              <a:rPr lang="en-US" altLang="en-US"/>
+              <a:rPr lang="en-US" altLang="en-US" dirty="0"/>
               <a:t>Not a distribution data management tool</a:t>
             </a:r>
           </a:p>
           <a:p>
             <a:pPr lvl="2" eaLnBrk="1" hangingPunct="1"/>
             <a:r>
-              <a:rPr lang="en-US" altLang="en-US"/>
+              <a:rPr lang="en-US" altLang="en-US" dirty="0"/>
               <a:t>It is a simulation engine designed to work with data extracted from one or more utility databases</a:t>
             </a:r>
           </a:p>
           <a:p>
             <a:pPr eaLnBrk="1" hangingPunct="1"/>
-            <a:endParaRPr lang="en-US" altLang="en-US"/>
+            <a:endParaRPr lang="en-US" altLang="en-US" dirty="0"/>
           </a:p>
         </p:txBody>
       </p:sp>
@@ -46173,6 +46173,23 @@
 </file>
 
 <file path=customXml/item1.xml><?xml version="1.0" encoding="utf-8"?>
+<?mso-contentType ?>
+<FormTemplates xmlns="http://schemas.microsoft.com/sharepoint/v3/contenttype/forms">
+  <Display>DocumentLibraryForm</Display>
+  <Edit>DocumentLibraryForm</Edit>
+  <New>DocumentLibraryForm</New>
+</FormTemplates>
+</file>
+
+<file path=customXml/item2.xml><?xml version="1.0" encoding="utf-8"?>
+<p:properties xmlns:p="http://schemas.microsoft.com/office/2006/metadata/properties" xmlns:xsi="http://www.w3.org/2001/XMLSchema-instance" xmlns:pc="http://schemas.microsoft.com/office/infopath/2007/PartnerControls">
+  <documentManagement>
+    <Category xmlns="9d4eb815-23ed-48d9-b0c1-2b9ce0016f4e">EPRI PowerPoint Template</Category>
+  </documentManagement>
+</p:properties>
+</file>
+
+<file path=customXml/item3.xml><?xml version="1.0" encoding="utf-8"?>
 <ct:contentTypeSchema xmlns:ct="http://schemas.microsoft.com/office/2006/metadata/contentType" xmlns:ma="http://schemas.microsoft.com/office/2006/metadata/properties/metaAttributes" ct:_="" ma:_="" ma:contentTypeName="Document" ma:contentTypeID="0x010100D67101F030D76349B9BDDCB7E839049A" ma:contentTypeVersion="1" ma:contentTypeDescription="Create a new document." ma:contentTypeScope="" ma:versionID="734fc11b70f2696fea1b768389187637">
   <xsd:schema xmlns:xsd="http://www.w3.org/2001/XMLSchema" xmlns:xs="http://www.w3.org/2001/XMLSchema" xmlns:p="http://schemas.microsoft.com/office/2006/metadata/properties" xmlns:ns2="9d4eb815-23ed-48d9-b0c1-2b9ce0016f4e" targetNamespace="http://schemas.microsoft.com/office/2006/metadata/properties" ma:root="true" ma:fieldsID="2b4a09c436e99444c649b2400fdb07dc" ns2:_="">
     <xsd:import namespace="9d4eb815-23ed-48d9-b0c1-2b9ce0016f4e"/>
@@ -46304,37 +46321,10 @@
 </ct:contentTypeSchema>
 </file>
 
-<file path=customXml/item2.xml><?xml version="1.0" encoding="utf-8"?>
-<p:properties xmlns:p="http://schemas.microsoft.com/office/2006/metadata/properties" xmlns:xsi="http://www.w3.org/2001/XMLSchema-instance" xmlns:pc="http://schemas.microsoft.com/office/infopath/2007/PartnerControls">
-  <documentManagement>
-    <Category xmlns="9d4eb815-23ed-48d9-b0c1-2b9ce0016f4e">EPRI PowerPoint Template</Category>
-  </documentManagement>
-</p:properties>
-</file>
-
-<file path=customXml/item3.xml><?xml version="1.0" encoding="utf-8"?>
-<?mso-contentType ?>
-<FormTemplates xmlns="http://schemas.microsoft.com/sharepoint/v3/contenttype/forms">
-  <Display>DocumentLibraryForm</Display>
-  <Edit>DocumentLibraryForm</Edit>
-  <New>DocumentLibraryForm</New>
-</FormTemplates>
-</file>
-
 <file path=customXml/itemProps1.xml><?xml version="1.0" encoding="utf-8"?>
-<ds:datastoreItem xmlns:ds="http://schemas.openxmlformats.org/officeDocument/2006/customXml" ds:itemID="{04AC8A55-24A3-47CA-BC47-DFAAE86ABF30}">
+<ds:datastoreItem xmlns:ds="http://schemas.openxmlformats.org/officeDocument/2006/customXml" ds:itemID="{F99B5431-8C26-478B-808F-26BED01B748B}">
   <ds:schemaRefs>
-    <ds:schemaRef ds:uri="http://schemas.microsoft.com/office/2006/metadata/contentType"/>
-    <ds:schemaRef ds:uri="http://schemas.microsoft.com/office/2006/metadata/properties/metaAttributes"/>
-    <ds:schemaRef ds:uri="http://www.w3.org/2001/XMLSchema"/>
-    <ds:schemaRef ds:uri="http://schemas.microsoft.com/office/2006/metadata/properties"/>
-    <ds:schemaRef ds:uri="9d4eb815-23ed-48d9-b0c1-2b9ce0016f4e"/>
-    <ds:schemaRef ds:uri="http://schemas.microsoft.com/office/2006/documentManagement/types"/>
-    <ds:schemaRef ds:uri="http://schemas.microsoft.com/office/infopath/2007/PartnerControls"/>
-    <ds:schemaRef ds:uri="http://schemas.openxmlformats.org/package/2006/metadata/core-properties"/>
-    <ds:schemaRef ds:uri="http://purl.org/dc/elements/1.1/"/>
-    <ds:schemaRef ds:uri="http://purl.org/dc/terms/"/>
-    <ds:schemaRef ds:uri="http://schemas.microsoft.com/internal/obd"/>
+    <ds:schemaRef ds:uri="http://schemas.microsoft.com/sharepoint/v3/contenttype/forms"/>
   </ds:schemaRefs>
 </ds:datastoreItem>
 </file>
@@ -46356,9 +46346,19 @@
 </file>
 
 <file path=customXml/itemProps3.xml><?xml version="1.0" encoding="utf-8"?>
-<ds:datastoreItem xmlns:ds="http://schemas.openxmlformats.org/officeDocument/2006/customXml" ds:itemID="{F99B5431-8C26-478B-808F-26BED01B748B}">
+<ds:datastoreItem xmlns:ds="http://schemas.openxmlformats.org/officeDocument/2006/customXml" ds:itemID="{04AC8A55-24A3-47CA-BC47-DFAAE86ABF30}">
   <ds:schemaRefs>
-    <ds:schemaRef ds:uri="http://schemas.microsoft.com/sharepoint/v3/contenttype/forms"/>
+    <ds:schemaRef ds:uri="http://schemas.microsoft.com/office/2006/metadata/contentType"/>
+    <ds:schemaRef ds:uri="http://schemas.microsoft.com/office/2006/metadata/properties/metaAttributes"/>
+    <ds:schemaRef ds:uri="http://www.w3.org/2001/XMLSchema"/>
+    <ds:schemaRef ds:uri="http://schemas.microsoft.com/office/2006/metadata/properties"/>
+    <ds:schemaRef ds:uri="9d4eb815-23ed-48d9-b0c1-2b9ce0016f4e"/>
+    <ds:schemaRef ds:uri="http://schemas.microsoft.com/office/2006/documentManagement/types"/>
+    <ds:schemaRef ds:uri="http://schemas.microsoft.com/office/infopath/2007/PartnerControls"/>
+    <ds:schemaRef ds:uri="http://schemas.openxmlformats.org/package/2006/metadata/core-properties"/>
+    <ds:schemaRef ds:uri="http://purl.org/dc/elements/1.1/"/>
+    <ds:schemaRef ds:uri="http://purl.org/dc/terms/"/>
+    <ds:schemaRef ds:uri="http://schemas.microsoft.com/internal/obd"/>
   </ds:schemaRefs>
 </ds:datastoreItem>
 </file>